--- a/cv.pptx
+++ b/cv.pptx
@@ -123,6 +123,35 @@
 </p:presentation>
 </file>
 
+<file path=ppt/changesInfos/changesInfo1.xml><?xml version="1.0" encoding="utf-8"?>
+<pc:chgInfo xmlns:a="http://schemas.openxmlformats.org/drawingml/2006/main" xmlns:r="http://schemas.openxmlformats.org/officeDocument/2006/relationships" xmlns:ac="http://schemas.microsoft.com/office/drawing/2013/main/command" xmlns:pc="http://schemas.microsoft.com/office/powerpoint/2013/main/command">
+  <pc:docChgLst>
+    <pc:chgData name="김 남규" userId="99d72e11c81ae9d8" providerId="LiveId" clId="{614BB970-9257-4684-8219-4765750BDF60}"/>
+    <pc:docChg chg="modSld">
+      <pc:chgData name="김 남규" userId="99d72e11c81ae9d8" providerId="LiveId" clId="{614BB970-9257-4684-8219-4765750BDF60}" dt="2020-10-06T15:41:10.190" v="6" actId="20577"/>
+      <pc:docMkLst>
+        <pc:docMk/>
+      </pc:docMkLst>
+      <pc:sldChg chg="modSp mod">
+        <pc:chgData name="김 남규" userId="99d72e11c81ae9d8" providerId="LiveId" clId="{614BB970-9257-4684-8219-4765750BDF60}" dt="2020-10-06T15:41:10.190" v="6" actId="20577"/>
+        <pc:sldMkLst>
+          <pc:docMk/>
+          <pc:sldMk cId="3848196426" sldId="256"/>
+        </pc:sldMkLst>
+        <pc:spChg chg="mod">
+          <ac:chgData name="김 남규" userId="99d72e11c81ae9d8" providerId="LiveId" clId="{614BB970-9257-4684-8219-4765750BDF60}" dt="2020-10-06T15:41:10.190" v="6" actId="20577"/>
+          <ac:spMkLst>
+            <pc:docMk/>
+            <pc:sldMk cId="3848196426" sldId="256"/>
+            <ac:spMk id="10" creationId="{00000000-0000-0000-0000-000000000000}"/>
+          </ac:spMkLst>
+        </pc:spChg>
+      </pc:sldChg>
+    </pc:docChg>
+  </pc:docChgLst>
+</pc:chgInfo>
+</file>
+
 <file path=ppt/slideLayouts/slideLayout1.xml><?xml version="1.0" encoding="utf-8"?>
 <p:sldLayout xmlns:a="http://schemas.openxmlformats.org/drawingml/2006/main" xmlns:r="http://schemas.openxmlformats.org/officeDocument/2006/relationships" xmlns:p="http://schemas.openxmlformats.org/presentationml/2006/main" type="title" preserve="1">
   <p:cSld name="제목 슬라이드">
@@ -302,7 +331,7 @@
           <a:p>
             <a:fld id="{7238DEE4-DD1E-460F-9B5A-E7956D202F87}" type="datetimeFigureOut">
               <a:rPr lang="ko-KR" altLang="en-US" smtClean="0"/>
-              <a:t>2020-10-03</a:t>
+              <a:t>2020-10-07</a:t>
             </a:fld>
             <a:endParaRPr lang="ko-KR" altLang="en-US"/>
           </a:p>
@@ -470,7 +499,7 @@
           <a:p>
             <a:fld id="{7238DEE4-DD1E-460F-9B5A-E7956D202F87}" type="datetimeFigureOut">
               <a:rPr lang="ko-KR" altLang="en-US" smtClean="0"/>
-              <a:t>2020-10-03</a:t>
+              <a:t>2020-10-07</a:t>
             </a:fld>
             <a:endParaRPr lang="ko-KR" altLang="en-US"/>
           </a:p>
@@ -648,7 +677,7 @@
           <a:p>
             <a:fld id="{7238DEE4-DD1E-460F-9B5A-E7956D202F87}" type="datetimeFigureOut">
               <a:rPr lang="ko-KR" altLang="en-US" smtClean="0"/>
-              <a:t>2020-10-03</a:t>
+              <a:t>2020-10-07</a:t>
             </a:fld>
             <a:endParaRPr lang="ko-KR" altLang="en-US"/>
           </a:p>
@@ -816,7 +845,7 @@
           <a:p>
             <a:fld id="{7238DEE4-DD1E-460F-9B5A-E7956D202F87}" type="datetimeFigureOut">
               <a:rPr lang="ko-KR" altLang="en-US" smtClean="0"/>
-              <a:t>2020-10-03</a:t>
+              <a:t>2020-10-07</a:t>
             </a:fld>
             <a:endParaRPr lang="ko-KR" altLang="en-US"/>
           </a:p>
@@ -1061,7 +1090,7 @@
           <a:p>
             <a:fld id="{7238DEE4-DD1E-460F-9B5A-E7956D202F87}" type="datetimeFigureOut">
               <a:rPr lang="ko-KR" altLang="en-US" smtClean="0"/>
-              <a:t>2020-10-03</a:t>
+              <a:t>2020-10-07</a:t>
             </a:fld>
             <a:endParaRPr lang="ko-KR" altLang="en-US"/>
           </a:p>
@@ -1346,7 +1375,7 @@
           <a:p>
             <a:fld id="{7238DEE4-DD1E-460F-9B5A-E7956D202F87}" type="datetimeFigureOut">
               <a:rPr lang="ko-KR" altLang="en-US" smtClean="0"/>
-              <a:t>2020-10-03</a:t>
+              <a:t>2020-10-07</a:t>
             </a:fld>
             <a:endParaRPr lang="ko-KR" altLang="en-US"/>
           </a:p>
@@ -1765,7 +1794,7 @@
           <a:p>
             <a:fld id="{7238DEE4-DD1E-460F-9B5A-E7956D202F87}" type="datetimeFigureOut">
               <a:rPr lang="ko-KR" altLang="en-US" smtClean="0"/>
-              <a:t>2020-10-03</a:t>
+              <a:t>2020-10-07</a:t>
             </a:fld>
             <a:endParaRPr lang="ko-KR" altLang="en-US"/>
           </a:p>
@@ -1882,7 +1911,7 @@
           <a:p>
             <a:fld id="{7238DEE4-DD1E-460F-9B5A-E7956D202F87}" type="datetimeFigureOut">
               <a:rPr lang="ko-KR" altLang="en-US" smtClean="0"/>
-              <a:t>2020-10-03</a:t>
+              <a:t>2020-10-07</a:t>
             </a:fld>
             <a:endParaRPr lang="ko-KR" altLang="en-US"/>
           </a:p>
@@ -1977,7 +2006,7 @@
           <a:p>
             <a:fld id="{7238DEE4-DD1E-460F-9B5A-E7956D202F87}" type="datetimeFigureOut">
               <a:rPr lang="ko-KR" altLang="en-US" smtClean="0"/>
-              <a:t>2020-10-03</a:t>
+              <a:t>2020-10-07</a:t>
             </a:fld>
             <a:endParaRPr lang="ko-KR" altLang="en-US"/>
           </a:p>
@@ -2252,7 +2281,7 @@
           <a:p>
             <a:fld id="{7238DEE4-DD1E-460F-9B5A-E7956D202F87}" type="datetimeFigureOut">
               <a:rPr lang="ko-KR" altLang="en-US" smtClean="0"/>
-              <a:t>2020-10-03</a:t>
+              <a:t>2020-10-07</a:t>
             </a:fld>
             <a:endParaRPr lang="ko-KR" altLang="en-US"/>
           </a:p>
@@ -2504,7 +2533,7 @@
           <a:p>
             <a:fld id="{7238DEE4-DD1E-460F-9B5A-E7956D202F87}" type="datetimeFigureOut">
               <a:rPr lang="ko-KR" altLang="en-US" smtClean="0"/>
-              <a:t>2020-10-03</a:t>
+              <a:t>2020-10-07</a:t>
             </a:fld>
             <a:endParaRPr lang="ko-KR" altLang="en-US"/>
           </a:p>
@@ -2715,7 +2744,7 @@
           <a:p>
             <a:fld id="{7238DEE4-DD1E-460F-9B5A-E7956D202F87}" type="datetimeFigureOut">
               <a:rPr lang="ko-KR" altLang="en-US" smtClean="0"/>
-              <a:t>2020-10-03</a:t>
+              <a:t>2020-10-07</a:t>
             </a:fld>
             <a:endParaRPr lang="ko-KR" altLang="en-US"/>
           </a:p>
@@ -3445,7 +3474,7 @@
                 <a:ea typeface="Adobe 고딕 Std B" pitchFamily="34" charset="-127"/>
                 <a:hlinkClick r:id="rId3"/>
               </a:rPr>
-              <a:t>www.dayoung.com</a:t>
+              <a:t>www.kdfljmyu.site</a:t>
             </a:r>
             <a:endParaRPr lang="en-US" altLang="ko-KR" sz="1200" dirty="0">
               <a:latin typeface="Adobe 고딕 Std B" pitchFamily="34" charset="-127"/>
